--- a/Skript-Folien/QM1-Thema10.pptx
+++ b/Skript-Folien/QM1-Thema10.pptx
@@ -685,7 +685,7 @@
       </p:grpSpPr>
       <p:sp>
         <p:nvSpPr>
-          <p:cNvPr id="452" name="Shape 452"/>
+          <p:cNvPr id="453" name="Shape 453"/>
           <p:cNvSpPr/>
           <p:nvPr>
             <p:ph type="sldImg"/>
@@ -706,7 +706,7 @@
       </p:sp>
       <p:sp>
         <p:nvSpPr>
-          <p:cNvPr id="453" name="Shape 453"/>
+          <p:cNvPr id="454" name="Shape 454"/>
           <p:cNvSpPr/>
           <p:nvPr>
             <p:ph type="body" sz="quarter" idx="1"/>
@@ -822,7 +822,7 @@
       </p:grpSpPr>
       <p:sp>
         <p:nvSpPr>
-          <p:cNvPr id="462" name="Shape 462"/>
+          <p:cNvPr id="463" name="Shape 463"/>
           <p:cNvSpPr/>
           <p:nvPr>
             <p:ph type="sldImg"/>
@@ -843,7 +843,7 @@
       </p:sp>
       <p:sp>
         <p:nvSpPr>
-          <p:cNvPr id="463" name="Shape 463"/>
+          <p:cNvPr id="464" name="Shape 464"/>
           <p:cNvSpPr/>
           <p:nvPr>
             <p:ph type="body" sz="quarter" idx="1"/>
@@ -10097,7 +10097,7 @@
         <p:spPr>
           <a:xfrm>
             <a:off x="2007078" y="2370859"/>
-            <a:ext cx="4378085" cy="843396"/>
+            <a:ext cx="4378085" cy="843395"/>
           </a:xfrm>
           <a:prstGeom prst="rect">
             <a:avLst/>
@@ -11955,7 +11955,7 @@
         </p:blipFill>
         <p:spPr>
           <a:xfrm>
-            <a:off x="389599" y="8090208"/>
+            <a:off x="7395323" y="635574"/>
             <a:ext cx="4792338" cy="752820"/>
           </a:xfrm>
           <a:prstGeom prst="rect">
@@ -12014,6 +12014,150 @@
             <a:r>
               <a:t>Regressionsmodell</a:t>
             </a:r>
+          </a:p>
+        </p:txBody>
+      </p:sp>
+      <p:sp>
+        <p:nvSpPr>
+          <p:cNvPr id="452" name="Gleichung"/>
+          <p:cNvSpPr txBox="1"/>
+          <p:nvPr/>
+        </p:nvSpPr>
+        <p:spPr>
+          <a:xfrm>
+            <a:off x="388845" y="8259343"/>
+            <a:ext cx="4444790" cy="646669"/>
+          </a:xfrm>
+          <a:prstGeom prst="rect">
+            <a:avLst/>
+          </a:prstGeom>
+          <a:ln w="12700">
+            <a:miter lim="400000"/>
+          </a:ln>
+        </p:spPr>
+        <p:txBody>
+          <a:bodyPr wrap="none" lIns="0" tIns="0" rIns="0" bIns="0">
+            <a:spAutoFit/>
+          </a:bodyPr>
+          <a:lstStyle/>
+          <a:p>
+            <a:pPr indent="0" latinLnBrk="1">
+              <a:buClrTx/>
+              <a:buFontTx/>
+              <a:defRPr sz="1800"/>
+            </a:pPr>
+            <a14:m>
+              <m:oMathPara>
+                <m:oMathParaPr>
+                  <m:jc m:val="centerGroup"/>
+                </m:oMathParaPr>
+                <m:oMath>
+                  <m:r>
+                    <a:rPr xmlns:a="http://schemas.openxmlformats.org/drawingml/2006/main" sz="5400" i="1">
+                      <a:solidFill>
+                        <a:srgbClr val="000000"/>
+                      </a:solidFill>
+                      <a:latin typeface="Cambria Math" panose="02040503050406030204" pitchFamily="18" charset="0"/>
+                    </a:rPr>
+                    <m:t>Y</m:t>
+                  </m:r>
+                  <m:r>
+                    <a:rPr xmlns:a="http://schemas.openxmlformats.org/drawingml/2006/main" sz="5400" i="1">
+                      <a:solidFill>
+                        <a:srgbClr val="000000"/>
+                      </a:solidFill>
+                      <a:latin typeface="Cambria Math" panose="02040503050406030204" pitchFamily="18" charset="0"/>
+                    </a:rPr>
+                    <m:t>=</m:t>
+                  </m:r>
+                  <m:sSub>
+                    <m:e>
+                      <m:r>
+                        <a:rPr xmlns:a="http://schemas.openxmlformats.org/drawingml/2006/main" sz="5400" i="1">
+                          <a:solidFill>
+                            <a:srgbClr val="000000"/>
+                          </a:solidFill>
+                          <a:latin typeface="Cambria Math" panose="02040503050406030204" pitchFamily="18" charset="0"/>
+                        </a:rPr>
+                        <m:t>b</m:t>
+                      </m:r>
+                    </m:e>
+                    <m:sub>
+                      <m:r>
+                        <a:rPr xmlns:a="http://schemas.openxmlformats.org/drawingml/2006/main" sz="5400" i="1">
+                          <a:solidFill>
+                            <a:srgbClr val="000000"/>
+                          </a:solidFill>
+                          <a:latin typeface="Cambria Math" panose="02040503050406030204" pitchFamily="18" charset="0"/>
+                        </a:rPr>
+                        <m:t>0</m:t>
+                      </m:r>
+                    </m:sub>
+                  </m:sSub>
+                  <m:r>
+                    <a:rPr xmlns:a="http://schemas.openxmlformats.org/drawingml/2006/main" sz="5400" i="1">
+                      <a:solidFill>
+                        <a:srgbClr val="000000"/>
+                      </a:solidFill>
+                      <a:latin typeface="Cambria Math" panose="02040503050406030204" pitchFamily="18" charset="0"/>
+                    </a:rPr>
+                    <m:t>+</m:t>
+                  </m:r>
+                  <m:sSub>
+                    <m:e>
+                      <m:r>
+                        <a:rPr xmlns:a="http://schemas.openxmlformats.org/drawingml/2006/main" sz="5400" i="1">
+                          <a:solidFill>
+                            <a:srgbClr val="000000"/>
+                          </a:solidFill>
+                          <a:latin typeface="Cambria Math" panose="02040503050406030204" pitchFamily="18" charset="0"/>
+                        </a:rPr>
+                        <m:t>b</m:t>
+                      </m:r>
+                    </m:e>
+                    <m:sub>
+                      <m:r>
+                        <a:rPr xmlns:a="http://schemas.openxmlformats.org/drawingml/2006/main" sz="5400" i="1">
+                          <a:solidFill>
+                            <a:srgbClr val="000000"/>
+                          </a:solidFill>
+                          <a:latin typeface="Cambria Math" panose="02040503050406030204" pitchFamily="18" charset="0"/>
+                        </a:rPr>
+                        <m:t>1</m:t>
+                      </m:r>
+                    </m:sub>
+                  </m:sSub>
+                  <m:r>
+                    <a:rPr xmlns:a="http://schemas.openxmlformats.org/drawingml/2006/main" sz="5400" i="1">
+                      <a:solidFill>
+                        <a:srgbClr val="000000"/>
+                      </a:solidFill>
+                      <a:latin typeface="Cambria Math" panose="02040503050406030204" pitchFamily="18" charset="0"/>
+                    </a:rPr>
+                    <m:t>x</m:t>
+                  </m:r>
+                  <m:r>
+                    <a:rPr xmlns:a="http://schemas.openxmlformats.org/drawingml/2006/main" sz="5400" i="1">
+                      <a:solidFill>
+                        <a:srgbClr val="000000"/>
+                      </a:solidFill>
+                      <a:latin typeface="Cambria Math" panose="02040503050406030204" pitchFamily="18" charset="0"/>
+                    </a:rPr>
+                    <m:t>+</m:t>
+                  </m:r>
+                  <m:r>
+                    <a:rPr xmlns:a="http://schemas.openxmlformats.org/drawingml/2006/main" sz="5400" i="1">
+                      <a:solidFill>
+                        <a:srgbClr val="000000"/>
+                      </a:solidFill>
+                      <a:latin typeface="Cambria Math" panose="02040503050406030204" pitchFamily="18" charset="0"/>
+                    </a:rPr>
+                    <m:t>ϵ</m:t>
+                  </m:r>
+                </m:oMath>
+              </m:oMathPara>
+            </a14:m>
+            <a:endParaRPr sz="5400"/>
           </a:p>
         </p:txBody>
       </p:sp>
@@ -12126,7 +12270,7 @@
       </p:grpSpPr>
       <p:pic>
         <p:nvPicPr>
-          <p:cNvPr id="455" name="Bild" descr="Bild"/>
+          <p:cNvPr id="456" name="Bild" descr="Bild"/>
           <p:cNvPicPr>
             <a:picLocks noChangeAspect="1"/>
           </p:cNvPicPr>
@@ -12155,7 +12299,7 @@
       </p:pic>
       <p:sp>
         <p:nvSpPr>
-          <p:cNvPr id="456" name="Foliennummer"/>
+          <p:cNvPr id="457" name="Foliennummer"/>
           <p:cNvSpPr txBox="1"/>
           <p:nvPr>
             <p:ph type="sldNum" sz="quarter" idx="2"/>
@@ -12197,7 +12341,7 @@
       </p:sp>
       <p:sp>
         <p:nvSpPr>
-          <p:cNvPr id="457" name="Linie"/>
+          <p:cNvPr id="458" name="Linie"/>
           <p:cNvSpPr/>
           <p:nvPr/>
         </p:nvSpPr>
@@ -12243,7 +12387,7 @@
       </p:sp>
       <p:sp>
         <p:nvSpPr>
-          <p:cNvPr id="458" name="Regressionsgerade…"/>
+          <p:cNvPr id="459" name="Regressionsgerade…"/>
           <p:cNvSpPr/>
           <p:nvPr/>
         </p:nvSpPr>
@@ -12309,7 +12453,7 @@
       </p:sp>
       <p:sp>
         <p:nvSpPr>
-          <p:cNvPr id="459" name="Die Steigung b1 der Geraden quantifiziert die Stärke des Einflusses des Prädiktors X auf das Kriterium Y…"/>
+          <p:cNvPr id="460" name="Die Steigung b1 der Geraden quantifiziert die Stärke des Einflusses des Prädiktors X auf das Kriterium Y…"/>
           <p:cNvSpPr/>
           <p:nvPr/>
         </p:nvSpPr>
@@ -12472,7 +12616,7 @@
       </p:sp>
       <p:sp>
         <p:nvSpPr>
-          <p:cNvPr id="460" name="Der Achsenabschnitt b0 (engl. intercept) der Regressionsgeraden gibt den Y-Wert für  X = 0 an…"/>
+          <p:cNvPr id="461" name="Der Achsenabschnitt b0 (engl. intercept) der Regressionsgeraden gibt den Y-Wert für  X = 0 an…"/>
           <p:cNvSpPr txBox="1"/>
           <p:nvPr/>
         </p:nvSpPr>
@@ -12544,7 +12688,7 @@
       </p:sp>
       <p:sp>
         <p:nvSpPr>
-          <p:cNvPr id="461" name="Die Steigung zeigt die Stärke des Zusammenhangs"/>
+          <p:cNvPr id="462" name="Die Steigung zeigt die Stärke des Zusammenhangs"/>
           <p:cNvSpPr txBox="1"/>
           <p:nvPr/>
         </p:nvSpPr>
@@ -12621,7 +12765,7 @@
       </p:grpSpPr>
       <p:sp>
         <p:nvSpPr>
-          <p:cNvPr id="465" name="Modellgüte"/>
+          <p:cNvPr id="466" name="Modellgüte"/>
           <p:cNvSpPr txBox="1"/>
           <p:nvPr>
             <p:ph type="title"/>
@@ -12645,7 +12789,7 @@
       </p:sp>
       <p:sp>
         <p:nvSpPr>
-          <p:cNvPr id="466" name="Foliennummer"/>
+          <p:cNvPr id="467" name="Foliennummer"/>
           <p:cNvSpPr txBox="1"/>
           <p:nvPr>
             <p:ph type="sldNum" sz="quarter" idx="2"/>
@@ -12698,7 +12842,7 @@
       </p:grpSpPr>
       <p:sp>
         <p:nvSpPr>
-          <p:cNvPr id="468" name="Die Größe der Residuen zeigt die Modellgüte"/>
+          <p:cNvPr id="469" name="Die Größe der Residuen zeigt die Modellgüte"/>
           <p:cNvSpPr txBox="1"/>
           <p:nvPr>
             <p:ph type="body" sz="quarter" idx="1"/>
@@ -12722,7 +12866,7 @@
       </p:sp>
       <p:sp>
         <p:nvSpPr>
-          <p:cNvPr id="469" name="Foliennummer"/>
+          <p:cNvPr id="470" name="Foliennummer"/>
           <p:cNvSpPr txBox="1"/>
           <p:nvPr>
             <p:ph type="sldNum" sz="quarter" idx="2"/>
@@ -12749,7 +12893,7 @@
       </p:sp>
       <p:pic>
         <p:nvPicPr>
-          <p:cNvPr id="470" name="Bild" descr="Bild"/>
+          <p:cNvPr id="471" name="Bild" descr="Bild"/>
           <p:cNvPicPr>
             <a:picLocks noChangeAspect="1"/>
           </p:cNvPicPr>
@@ -12804,7 +12948,7 @@
       </p:grpSpPr>
       <p:sp>
         <p:nvSpPr>
-          <p:cNvPr id="472" name="Mittelwert als Referenziert"/>
+          <p:cNvPr id="473" name="Mittelwert als Referenziert"/>
           <p:cNvSpPr txBox="1"/>
           <p:nvPr>
             <p:ph type="body" sz="quarter" idx="1"/>
@@ -12828,7 +12972,7 @@
       </p:sp>
       <p:sp>
         <p:nvSpPr>
-          <p:cNvPr id="473" name="Foliennummer"/>
+          <p:cNvPr id="474" name="Foliennummer"/>
           <p:cNvSpPr txBox="1"/>
           <p:nvPr>
             <p:ph type="sldNum" sz="quarter" idx="2"/>
@@ -12855,7 +12999,7 @@
       </p:sp>
       <p:sp>
         <p:nvSpPr>
-          <p:cNvPr id="474" name="Rechteck"/>
+          <p:cNvPr id="475" name="Rechteck"/>
           <p:cNvSpPr/>
           <p:nvPr/>
         </p:nvSpPr>
@@ -12899,7 +13043,7 @@
       </p:sp>
       <p:sp>
         <p:nvSpPr>
-          <p:cNvPr id="475" name="Ist Alberts Zufriedenheit (Y) unbekannt, so kann an den Mittelwert von Y (Y̅) als Schätzer für ein bestimmtes Yi (z.B. von Albert) nehmen, damit liegt man oft ganz gut. Dieses Verfahren besteht in einer Vorhersage von Y ohne Kenntnis eines Prädiktors (X)"/>
+          <p:cNvPr id="476" name="Ist Alberts Zufriedenheit (Y) unbekannt, so kann an den Mittelwert von Y (Y̅) als Schätzer für ein bestimmtes Yi (z.B. von Albert) nehmen, damit liegt man oft ganz gut. Dieses Verfahren besteht in einer Vorhersage von Y ohne Kenntnis eines Prädiktors (X)"/>
           <p:cNvSpPr/>
           <p:nvPr/>
         </p:nvSpPr>
@@ -12962,7 +13106,7 @@
       </p:sp>
       <p:sp>
         <p:nvSpPr>
-          <p:cNvPr id="476" name="Die roten „Stecken“ zeigen die Größe des Vorhersagefehlers an; der mittlere „Quadratstecken“ ist die Varianz. Die roten Stecken sind also ein Maß für die Güte der Vorhersage!"/>
+          <p:cNvPr id="477" name="Die roten „Stecken“ zeigen die Größe des Vorhersagefehlers an; der mittlere „Quadratstecken“ ist die Varianz. Die roten Stecken sind also ein Maß für die Güte der Vorhersage!"/>
           <p:cNvSpPr txBox="1"/>
           <p:nvPr/>
         </p:nvSpPr>
@@ -13015,7 +13159,7 @@
       </p:sp>
       <p:pic>
         <p:nvPicPr>
-          <p:cNvPr id="477" name="Bild" descr="Bild"/>
+          <p:cNvPr id="478" name="Bild" descr="Bild"/>
           <p:cNvPicPr>
             <a:picLocks noChangeAspect="1"/>
           </p:cNvPicPr>
@@ -13044,7 +13188,7 @@
       </p:pic>
       <p:pic>
         <p:nvPicPr>
-          <p:cNvPr id="478" name="Bild" descr="Bild"/>
+          <p:cNvPr id="479" name="Bild" descr="Bild"/>
           <p:cNvPicPr>
             <a:picLocks noChangeAspect="1"/>
           </p:cNvPicPr>
@@ -13073,7 +13217,7 @@
       </p:pic>
       <p:sp>
         <p:nvSpPr>
-          <p:cNvPr id="479" name="Eine Vorhersage hat nur dann Wert, wenn die Güte der Vorhersage (bzw. der Vorhersagefehler) bekannt ist/ bestimmt werden kann."/>
+          <p:cNvPr id="480" name="Eine Vorhersage hat nur dann Wert, wenn die Güte der Vorhersage (bzw. der Vorhersagefehler) bekannt ist/ bestimmt werden kann."/>
           <p:cNvSpPr txBox="1"/>
           <p:nvPr/>
         </p:nvSpPr>
@@ -13117,7 +13261,7 @@
       </p:sp>
       <p:sp>
         <p:nvSpPr>
-          <p:cNvPr id="480" name="Personen (1-7)"/>
+          <p:cNvPr id="481" name="Personen (1-7)"/>
           <p:cNvSpPr txBox="1"/>
           <p:nvPr/>
         </p:nvSpPr>
@@ -13196,7 +13340,7 @@
       </p:grpSpPr>
       <p:sp>
         <p:nvSpPr>
-          <p:cNvPr id="482" name="Wir legen eine „gut sitzende“ Gerade in die Daten"/>
+          <p:cNvPr id="483" name="Wir legen eine „gut sitzende“ Gerade in die Daten"/>
           <p:cNvSpPr txBox="1"/>
           <p:nvPr>
             <p:ph type="body" sz="quarter" idx="1"/>
@@ -13220,7 +13364,7 @@
       </p:sp>
       <p:sp>
         <p:nvSpPr>
-          <p:cNvPr id="483" name="Foliennummer"/>
+          <p:cNvPr id="484" name="Foliennummer"/>
           <p:cNvSpPr txBox="1"/>
           <p:nvPr>
             <p:ph type="sldNum" sz="quarter" idx="2"/>
@@ -13247,7 +13391,7 @@
       </p:sp>
       <p:sp>
         <p:nvSpPr>
-          <p:cNvPr id="484" name="Die blauen Abweichungen (Deltas) sind in Summe kleiner als die roten (in Summe). Damit werden die Yi-Werte durch die Regression insgesamt genauer geschätzt als bei Vorhersage duch Y̅; der Vorhersagefehler wird kleiner."/>
+          <p:cNvPr id="485" name="Die blauen Abweichungen (Deltas) sind in Summe kleiner als die roten (in Summe). Damit werden die Yi-Werte durch die Regression insgesamt genauer geschätzt als bei Vorhersage duch Y̅; der Vorhersagefehler wird kleiner."/>
           <p:cNvSpPr/>
           <p:nvPr/>
         </p:nvSpPr>
@@ -13303,7 +13447,7 @@
       </p:sp>
       <p:sp>
         <p:nvSpPr>
-          <p:cNvPr id="485" name="Und siehe da: die Summe der „Abweichungs-Stecken“ (Residuen, e) wird kürzer!"/>
+          <p:cNvPr id="486" name="Und siehe da: die Summe der „Abweichungs-Stecken“ (Residuen, e) wird kürzer!"/>
           <p:cNvSpPr txBox="1"/>
           <p:nvPr/>
         </p:nvSpPr>
@@ -13347,7 +13491,7 @@
       </p:sp>
       <p:pic>
         <p:nvPicPr>
-          <p:cNvPr id="486" name="Bild" descr="Bild"/>
+          <p:cNvPr id="487" name="Bild" descr="Bild"/>
           <p:cNvPicPr>
             <a:picLocks noChangeAspect="1"/>
           </p:cNvPicPr>
@@ -13376,7 +13520,7 @@
       </p:pic>
       <p:pic>
         <p:nvPicPr>
-          <p:cNvPr id="487" name="Bild" descr="Bild"/>
+          <p:cNvPr id="488" name="Bild" descr="Bild"/>
           <p:cNvPicPr>
             <a:picLocks noChangeAspect="1"/>
           </p:cNvPicPr>
@@ -13431,7 +13575,7 @@
       </p:grpSpPr>
       <p:sp>
         <p:nvSpPr>
-          <p:cNvPr id="489" name="Unser Regressionsmodell verkürzt die Residuen"/>
+          <p:cNvPr id="490" name="Unser Regressionsmodell verkürzt die Residuen"/>
           <p:cNvSpPr txBox="1"/>
           <p:nvPr>
             <p:ph type="body" sz="quarter" idx="1"/>
@@ -13455,7 +13599,7 @@
       </p:sp>
       <p:sp>
         <p:nvSpPr>
-          <p:cNvPr id="490" name="Foliennummer"/>
+          <p:cNvPr id="491" name="Foliennummer"/>
           <p:cNvSpPr txBox="1"/>
           <p:nvPr>
             <p:ph type="sldNum" sz="quarter" idx="2"/>
@@ -13482,7 +13626,7 @@
       </p:sp>
       <p:pic>
         <p:nvPicPr>
-          <p:cNvPr id="491" name="Bild" descr="Bild"/>
+          <p:cNvPr id="492" name="Bild" descr="Bild"/>
           <p:cNvPicPr>
             <a:picLocks noChangeAspect="1"/>
           </p:cNvPicPr>
@@ -13512,7 +13656,7 @@
       </p:pic>
       <p:sp>
         <p:nvSpPr>
-          <p:cNvPr id="492" name="Die Abweichungen von der Regressionsgeraden (blau) sind in Summe kürzer als die Abweichungen von Mittelwert (rot); die Verbesserung lässt sich aus der Differenz dieser beiden Abweichungen bestimmen (grüner Balken)."/>
+          <p:cNvPr id="493" name="Die Abweichungen von der Regressionsgeraden (blau) sind in Summe kürzer als die Abweichungen von Mittelwert (rot); die Verbesserung lässt sich aus der Differenz dieser beiden Abweichungen bestimmen (grüner Balken)."/>
           <p:cNvSpPr txBox="1"/>
           <p:nvPr/>
         </p:nvSpPr>
@@ -13561,7 +13705,7 @@
       </p:sp>
       <p:pic>
         <p:nvPicPr>
-          <p:cNvPr id="493" name="Bild" descr="Bild"/>
+          <p:cNvPr id="494" name="Bild" descr="Bild"/>
           <p:cNvPicPr>
             <a:picLocks noChangeAspect="1"/>
           </p:cNvPicPr>
@@ -13591,7 +13735,7 @@
       </p:pic>
       <p:sp>
         <p:nvSpPr>
-          <p:cNvPr id="494" name="Abweichungen vom Mittelwert"/>
+          <p:cNvPr id="495" name="Abweichungen vom Mittelwert"/>
           <p:cNvSpPr txBox="1"/>
           <p:nvPr/>
         </p:nvSpPr>
@@ -13636,7 +13780,7 @@
       </p:sp>
       <p:sp>
         <p:nvSpPr>
-          <p:cNvPr id="495" name="Abweichungen von der Regressionsgeraden"/>
+          <p:cNvPr id="496" name="Abweichungen von der Regressionsgeraden"/>
           <p:cNvSpPr txBox="1"/>
           <p:nvPr/>
         </p:nvSpPr>
@@ -13681,7 +13825,7 @@
       </p:sp>
       <p:sp>
         <p:nvSpPr>
-          <p:cNvPr id="496" name="Unterschied rot/blau"/>
+          <p:cNvPr id="497" name="Unterschied rot/blau"/>
           <p:cNvSpPr txBox="1"/>
           <p:nvPr/>
         </p:nvSpPr>
@@ -13726,7 +13870,7 @@
       </p:sp>
       <p:sp>
         <p:nvSpPr>
-          <p:cNvPr id="497" name="Einkommen"/>
+          <p:cNvPr id="498" name="Einkommen"/>
           <p:cNvSpPr/>
           <p:nvPr/>
         </p:nvSpPr>
@@ -13779,7 +13923,7 @@
       </p:sp>
       <p:sp>
         <p:nvSpPr>
-          <p:cNvPr id="498" name="Zufriedenheit"/>
+          <p:cNvPr id="499" name="Zufriedenheit"/>
           <p:cNvSpPr/>
           <p:nvPr/>
         </p:nvSpPr>
@@ -13858,7 +14002,7 @@
       </p:grpSpPr>
       <p:sp>
         <p:nvSpPr>
-          <p:cNvPr id="500" name="Die Quadratsummen addieren sich"/>
+          <p:cNvPr id="501" name="Die Quadratsummen addieren sich"/>
           <p:cNvSpPr txBox="1"/>
           <p:nvPr>
             <p:ph type="body" sz="quarter" idx="1"/>
@@ -13882,7 +14026,7 @@
       </p:sp>
       <p:sp>
         <p:nvSpPr>
-          <p:cNvPr id="501" name="Foliennummer"/>
+          <p:cNvPr id="502" name="Foliennummer"/>
           <p:cNvSpPr txBox="1"/>
           <p:nvPr>
             <p:ph type="sldNum" sz="quarter" idx="2"/>
@@ -13909,7 +14053,7 @@
       </p:sp>
       <p:sp>
         <p:nvSpPr>
-          <p:cNvPr id="502" name="Rechteck"/>
+          <p:cNvPr id="503" name="Rechteck"/>
           <p:cNvSpPr/>
           <p:nvPr/>
         </p:nvSpPr>
@@ -13952,7 +14096,7 @@
       </p:sp>
       <p:sp>
         <p:nvSpPr>
-          <p:cNvPr id="503" name="SST :  die Summe der (quadrierten) Differenzen zwischen den erhobenen Daten und dem Mittelwert von Y (totale Varianz)"/>
+          <p:cNvPr id="504" name="SST :  die Summe der (quadrierten) Differenzen zwischen den erhobenen Daten und dem Mittelwert von Y (totale Varianz)"/>
           <p:cNvSpPr/>
           <p:nvPr/>
         </p:nvSpPr>
@@ -14052,7 +14196,7 @@
       </p:sp>
       <p:sp>
         <p:nvSpPr>
-          <p:cNvPr id="504" name="Die einzelnen „Gesamt-Abweichungsbalken“ bezeichnet man als Quadratsummen (engl. Sum of Squares, SS)."/>
+          <p:cNvPr id="505" name="Die einzelnen „Gesamt-Abweichungsbalken“ bezeichnet man als Quadratsummen (engl. Sum of Squares, SS)."/>
           <p:cNvSpPr/>
           <p:nvPr/>
         </p:nvSpPr>
@@ -14110,7 +14254,7 @@
       </p:sp>
       <p:pic>
         <p:nvPicPr>
-          <p:cNvPr id="505" name="Bild" descr="Bild"/>
+          <p:cNvPr id="506" name="Bild" descr="Bild"/>
           <p:cNvPicPr>
             <a:picLocks noChangeAspect="1"/>
           </p:cNvPicPr>
@@ -14139,7 +14283,7 @@
       </p:pic>
       <p:sp>
         <p:nvSpPr>
-          <p:cNvPr id="506" name="SSE :  Die Summe der der (quadrierten) Differenzen (Residuen, Error) zwischen den erhobenen Daten und der Regressionsgeraden"/>
+          <p:cNvPr id="507" name="SSE :  Die Summe der der (quadrierten) Differenzen (Residuen, Error) zwischen den erhobenen Daten und der Regressionsgeraden"/>
           <p:cNvSpPr/>
           <p:nvPr/>
         </p:nvSpPr>
@@ -14239,7 +14383,7 @@
       </p:sp>
       <p:pic>
         <p:nvPicPr>
-          <p:cNvPr id="507" name="Bild" descr="Bild"/>
+          <p:cNvPr id="508" name="Bild" descr="Bild"/>
           <p:cNvPicPr>
             <a:picLocks noChangeAspect="1"/>
           </p:cNvPicPr>
@@ -14268,7 +14412,7 @@
       </p:pic>
       <p:pic>
         <p:nvPicPr>
-          <p:cNvPr id="508" name="Bild" descr="Bild"/>
+          <p:cNvPr id="509" name="Bild" descr="Bild"/>
           <p:cNvPicPr>
             <a:picLocks noChangeAspect="1"/>
           </p:cNvPicPr>
@@ -14297,7 +14441,7 @@
       </p:pic>
       <p:sp>
         <p:nvSpPr>
-          <p:cNvPr id="509" name="SSM :  Die Summe der der (quadrierten) Differenzen zwischen dem Mittelwert von Y und der Regressionsgeraden (dem Modell)"/>
+          <p:cNvPr id="510" name="SSM :  Die Summe der der (quadrierten) Differenzen zwischen dem Mittelwert von Y und der Regressionsgeraden (dem Modell)"/>
           <p:cNvSpPr/>
           <p:nvPr/>
         </p:nvSpPr>
@@ -14397,7 +14541,7 @@
       </p:sp>
       <p:sp>
         <p:nvSpPr>
-          <p:cNvPr id="510" name="Rechteck"/>
+          <p:cNvPr id="511" name="Rechteck"/>
           <p:cNvSpPr/>
           <p:nvPr/>
         </p:nvSpPr>
@@ -14438,7 +14582,7 @@
       </p:sp>
       <p:sp>
         <p:nvSpPr>
-          <p:cNvPr id="511" name="Rechteck"/>
+          <p:cNvPr id="512" name="Rechteck"/>
           <p:cNvSpPr/>
           <p:nvPr/>
         </p:nvSpPr>
@@ -14479,7 +14623,7 @@
       </p:sp>
       <p:sp>
         <p:nvSpPr>
-          <p:cNvPr id="512" name="Rechteck"/>
+          <p:cNvPr id="513" name="Rechteck"/>
           <p:cNvSpPr/>
           <p:nvPr/>
         </p:nvSpPr>
@@ -14522,7 +14666,7 @@
       </p:sp>
       <p:sp>
         <p:nvSpPr>
-          <p:cNvPr id="513" name="Rechteck"/>
+          <p:cNvPr id="514" name="Rechteck"/>
           <p:cNvSpPr/>
           <p:nvPr/>
         </p:nvSpPr>
@@ -14565,7 +14709,7 @@
       </p:sp>
       <p:sp>
         <p:nvSpPr>
-          <p:cNvPr id="514" name="Rechteck"/>
+          <p:cNvPr id="515" name="Rechteck"/>
           <p:cNvSpPr/>
           <p:nvPr/>
         </p:nvSpPr>
@@ -14608,7 +14752,7 @@
       </p:sp>
       <p:sp>
         <p:nvSpPr>
-          <p:cNvPr id="515" name="Gesamt-Varianz, maximale Streuung, totale Fehlerstreuung"/>
+          <p:cNvPr id="516" name="Gesamt-Varianz, maximale Streuung, totale Fehlerstreuung"/>
           <p:cNvSpPr txBox="1"/>
           <p:nvPr/>
         </p:nvSpPr>
@@ -14659,7 +14803,7 @@
       </p:sp>
       <p:sp>
         <p:nvSpPr>
-          <p:cNvPr id="516" name="Gesamt-Vorhersage-Fehler, Summe der Abweichung von  der Regressionsgeraden, Fehlerstreuung der Regression"/>
+          <p:cNvPr id="517" name="Gesamt-Vorhersage-Fehler, Summe der Abweichung von  der Regressionsgeraden, Fehlerstreuung der Regression"/>
           <p:cNvSpPr txBox="1"/>
           <p:nvPr/>
         </p:nvSpPr>
@@ -14714,7 +14858,7 @@
       </p:sp>
       <p:sp>
         <p:nvSpPr>
-          <p:cNvPr id="517" name="Verbesserung durch das Modell, erklärte Varianz, Verringerung des Vorhersage- fehlers durch die Regression"/>
+          <p:cNvPr id="518" name="Verbesserung durch das Modell, erklärte Varianz, Verringerung des Vorhersage- fehlers durch die Regression"/>
           <p:cNvSpPr txBox="1"/>
           <p:nvPr/>
         </p:nvSpPr>
@@ -14769,7 +14913,7 @@
       </p:sp>
       <p:sp>
         <p:nvSpPr>
-          <p:cNvPr id="518" name="&quot;Deutsche Übersetzung&quot;"/>
+          <p:cNvPr id="519" name="&quot;Deutsche Übersetzung&quot;"/>
           <p:cNvSpPr txBox="1"/>
           <p:nvPr/>
         </p:nvSpPr>
@@ -14840,7 +14984,7 @@
       </p:grpSpPr>
       <p:sp>
         <p:nvSpPr>
-          <p:cNvPr id="520" name="Wie gut ist mein Modell?"/>
+          <p:cNvPr id="521" name="Wie gut ist mein Modell?"/>
           <p:cNvSpPr txBox="1"/>
           <p:nvPr>
             <p:ph type="body" sz="quarter" idx="1"/>
@@ -14864,7 +15008,7 @@
       </p:sp>
       <p:sp>
         <p:nvSpPr>
-          <p:cNvPr id="521" name="Textebene 1"/>
+          <p:cNvPr id="522" name="Textebene 1"/>
           <p:cNvSpPr txBox="1"/>
           <p:nvPr>
             <p:ph type="body" idx="21"/>
@@ -14916,7 +15060,7 @@
       </p:sp>
       <p:sp>
         <p:nvSpPr>
-          <p:cNvPr id="522" name="Foliennummer"/>
+          <p:cNvPr id="523" name="Foliennummer"/>
           <p:cNvSpPr txBox="1"/>
           <p:nvPr>
             <p:ph type="sldNum" sz="quarter" idx="2"/>
@@ -14943,7 +15087,7 @@
       </p:sp>
       <p:sp>
         <p:nvSpPr>
-          <p:cNvPr id="523" name="Gleichung"/>
+          <p:cNvPr id="524" name="Gleichung"/>
           <p:cNvSpPr txBox="1"/>
           <p:nvPr/>
         </p:nvSpPr>
@@ -15106,7 +15250,7 @@
       </p:sp>
       <p:sp>
         <p:nvSpPr>
-          <p:cNvPr id="524" name="Rechteck"/>
+          <p:cNvPr id="525" name="Rechteck"/>
           <p:cNvSpPr/>
           <p:nvPr/>
         </p:nvSpPr>
@@ -15147,7 +15291,7 @@
       </p:sp>
       <p:sp>
         <p:nvSpPr>
-          <p:cNvPr id="525" name="Rechteck"/>
+          <p:cNvPr id="526" name="Rechteck"/>
           <p:cNvSpPr/>
           <p:nvPr/>
         </p:nvSpPr>
@@ -15188,14 +15332,14 @@
       </p:sp>
       <p:sp>
         <p:nvSpPr>
-          <p:cNvPr id="526" name="Rechteck"/>
+          <p:cNvPr id="527" name="Rechteck"/>
           <p:cNvSpPr/>
           <p:nvPr/>
         </p:nvSpPr>
         <p:spPr>
           <a:xfrm>
-            <a:off x="7355462" y="5350830"/>
-            <a:ext cx="1076656" cy="706240"/>
+            <a:off x="7355461" y="5350830"/>
+            <a:ext cx="1076657" cy="706240"/>
           </a:xfrm>
           <a:prstGeom prst="rect">
             <a:avLst/>
@@ -15255,7 +15399,7 @@
       </p:grpSpPr>
       <p:sp>
         <p:nvSpPr>
-          <p:cNvPr id="528" name="Der mittlere Vorhersagefehler als Maß der Modellgüte"/>
+          <p:cNvPr id="529" name="Der mittlere Vorhersagefehler als Maß der Modellgüte"/>
           <p:cNvSpPr txBox="1"/>
           <p:nvPr>
             <p:ph type="body" sz="quarter" idx="1"/>
@@ -15283,7 +15427,7 @@
       </p:sp>
       <p:sp>
         <p:nvSpPr>
-          <p:cNvPr id="529" name="Textebene 1"/>
+          <p:cNvPr id="530" name="Textebene 1"/>
           <p:cNvSpPr txBox="1"/>
           <p:nvPr>
             <p:ph type="body" idx="21"/>
@@ -15412,7 +15556,7 @@
       </p:sp>
       <p:sp>
         <p:nvSpPr>
-          <p:cNvPr id="530" name="Foliennummer"/>
+          <p:cNvPr id="531" name="Foliennummer"/>
           <p:cNvSpPr txBox="1"/>
           <p:nvPr>
             <p:ph type="sldNum" sz="quarter" idx="2"/>
@@ -15439,7 +15583,7 @@
       </p:sp>
       <p:sp>
         <p:nvSpPr>
-          <p:cNvPr id="531" name="Gleichung"/>
+          <p:cNvPr id="532" name="Gleichung"/>
           <p:cNvSpPr txBox="1"/>
           <p:nvPr/>
         </p:nvSpPr>
@@ -15739,7 +15883,7 @@
       </p:sp>
       <p:sp>
         <p:nvSpPr>
-          <p:cNvPr id="532" name="Gleichung"/>
+          <p:cNvPr id="533" name="Gleichung"/>
           <p:cNvSpPr txBox="1"/>
           <p:nvPr/>
         </p:nvSpPr>
@@ -15936,7 +16080,7 @@
       </p:grpSpPr>
       <p:sp>
         <p:nvSpPr>
-          <p:cNvPr id="534" name="Das Bestimmtheitsmaß R2"/>
+          <p:cNvPr id="535" name="Das Bestimmtheitsmaß R2"/>
           <p:cNvSpPr txBox="1"/>
           <p:nvPr>
             <p:ph type="body" sz="quarter" idx="1"/>
@@ -15964,7 +16108,7 @@
       </p:sp>
       <p:sp>
         <p:nvSpPr>
-          <p:cNvPr id="535" name="Textebene 1"/>
+          <p:cNvPr id="536" name="Textebene 1"/>
           <p:cNvSpPr txBox="1"/>
           <p:nvPr>
             <p:ph type="body" idx="21"/>
@@ -16038,7 +16182,7 @@
       </p:sp>
       <p:sp>
         <p:nvSpPr>
-          <p:cNvPr id="536" name="Foliennummer"/>
+          <p:cNvPr id="537" name="Foliennummer"/>
           <p:cNvSpPr txBox="1"/>
           <p:nvPr>
             <p:ph type="sldNum" sz="quarter" idx="2"/>
@@ -16065,13 +16209,13 @@
       </p:sp>
       <p:sp>
         <p:nvSpPr>
-          <p:cNvPr id="537" name="Gleichung"/>
+          <p:cNvPr id="538" name="Gleichung"/>
           <p:cNvSpPr txBox="1"/>
           <p:nvPr/>
         </p:nvSpPr>
         <p:spPr>
           <a:xfrm>
-            <a:off x="1341717" y="5627262"/>
+            <a:off x="1341717" y="5627263"/>
             <a:ext cx="10321366" cy="1557774"/>
           </a:xfrm>
           <a:prstGeom prst="rect">
@@ -16895,7 +17039,7 @@
       </p:sp>
       <p:sp>
         <p:nvSpPr>
-          <p:cNvPr id="538" name="Gleichung"/>
+          <p:cNvPr id="539" name="Gleichung"/>
           <p:cNvSpPr txBox="1"/>
           <p:nvPr/>
         </p:nvSpPr>
@@ -17307,7 +17451,7 @@
       </p:grpSpPr>
       <p:sp>
         <p:nvSpPr>
-          <p:cNvPr id="540" name="Einfachstes vs. bestes Modell"/>
+          <p:cNvPr id="541" name="Einfachstes vs. bestes Modell"/>
           <p:cNvSpPr txBox="1"/>
           <p:nvPr>
             <p:ph type="body" sz="quarter" idx="1"/>
@@ -17337,7 +17481,7 @@
       </p:sp>
       <p:sp>
         <p:nvSpPr>
-          <p:cNvPr id="541" name="Textebene 1"/>
+          <p:cNvPr id="542" name="Textebene 1"/>
           <p:cNvSpPr txBox="1"/>
           <p:nvPr>
             <p:ph type="body" idx="21"/>
@@ -17375,7 +17519,7 @@
       </p:sp>
       <p:sp>
         <p:nvSpPr>
-          <p:cNvPr id="542" name="Textebene 1…"/>
+          <p:cNvPr id="543" name="Textebene 1…"/>
           <p:cNvSpPr txBox="1"/>
           <p:nvPr>
             <p:ph type="body" idx="22"/>
@@ -17416,7 +17560,7 @@
       </p:sp>
       <p:sp>
         <p:nvSpPr>
-          <p:cNvPr id="543" name="Foliennummer"/>
+          <p:cNvPr id="544" name="Foliennummer"/>
           <p:cNvSpPr txBox="1"/>
           <p:nvPr>
             <p:ph type="sldNum" sz="quarter" idx="2"/>
@@ -17443,7 +17587,7 @@
       </p:sp>
       <p:sp>
         <p:nvSpPr>
-          <p:cNvPr id="544" name="Gleichung"/>
+          <p:cNvPr id="545" name="Gleichung"/>
           <p:cNvSpPr txBox="1"/>
           <p:nvPr/>
         </p:nvSpPr>
@@ -17608,14 +17752,14 @@
       </p:sp>
       <p:sp>
         <p:nvSpPr>
-          <p:cNvPr id="545" name="Gleichung"/>
+          <p:cNvPr id="546" name="Gleichung"/>
           <p:cNvSpPr txBox="1"/>
           <p:nvPr/>
         </p:nvSpPr>
         <p:spPr>
           <a:xfrm>
             <a:off x="7845935" y="3193795"/>
-            <a:ext cx="3733014" cy="689366"/>
+            <a:ext cx="3733015" cy="689366"/>
           </a:xfrm>
           <a:prstGeom prst="rect">
             <a:avLst/>
@@ -17773,7 +17917,7 @@
       </p:sp>
       <p:pic>
         <p:nvPicPr>
-          <p:cNvPr id="546" name="Bild" descr="Bild"/>
+          <p:cNvPr id="547" name="Bild" descr="Bild"/>
           <p:cNvPicPr>
             <a:picLocks noChangeAspect="1"/>
           </p:cNvPicPr>
@@ -17802,7 +17946,7 @@
       </p:pic>
       <p:pic>
         <p:nvPicPr>
-          <p:cNvPr id="547" name="Bild" descr="Bild"/>
+          <p:cNvPr id="548" name="Bild" descr="Bild"/>
           <p:cNvPicPr>
             <a:picLocks noChangeAspect="1"/>
           </p:cNvPicPr>
@@ -17818,7 +17962,7 @@
         </p:blipFill>
         <p:spPr>
           <a:xfrm>
-            <a:off x="7127991" y="4027126"/>
+            <a:off x="7127992" y="4027126"/>
             <a:ext cx="3810001" cy="3810001"/>
           </a:xfrm>
           <a:prstGeom prst="rect">
@@ -17831,7 +17975,7 @@
       </p:pic>
       <p:sp>
         <p:nvSpPr>
-          <p:cNvPr id="548" name="Bei einer perfekten Korrelation (R2 = 1) liegen die Punkte auf der Geraden; im schlimmsten Fall (R2 = 0) ist die Vorhersage genauso gut wie wenn man für Y-Wert Y̅ vorhersagen würde. R2 ist also proportional zur Höhe der (linearen) Korrelation."/>
+          <p:cNvPr id="549" name="Bei einer perfekten Korrelation (R2 = 1) liegen die Punkte auf der Geraden; im schlimmsten Fall (R2 = 0) ist die Vorhersage genauso gut wie wenn man für Y-Wert Y̅ vorhersagen würde. R2 ist also proportional zur Höhe der (linearen) Korrelation."/>
           <p:cNvSpPr txBox="1"/>
           <p:nvPr/>
         </p:nvSpPr>
@@ -17926,7 +18070,7 @@
       </p:grpSpPr>
       <p:sp>
         <p:nvSpPr>
-          <p:cNvPr id="550" name="RMSE vs. R-Quadrat"/>
+          <p:cNvPr id="551" name="RMSE vs. R-Quadrat"/>
           <p:cNvSpPr txBox="1"/>
           <p:nvPr>
             <p:ph type="body" sz="quarter" idx="1"/>
@@ -17950,7 +18094,7 @@
       </p:sp>
       <p:sp>
         <p:nvSpPr>
-          <p:cNvPr id="551" name="Textebene…"/>
+          <p:cNvPr id="552" name="Textebene…"/>
           <p:cNvSpPr txBox="1"/>
           <p:nvPr>
             <p:ph type="body" idx="21"/>
@@ -18135,7 +18279,7 @@
       </p:sp>
       <p:sp>
         <p:nvSpPr>
-          <p:cNvPr id="552" name="Foliennummer"/>
+          <p:cNvPr id="553" name="Foliennummer"/>
           <p:cNvSpPr txBox="1"/>
           <p:nvPr>
             <p:ph type="sldNum" sz="quarter" idx="2"/>
@@ -18162,7 +18306,7 @@
       </p:sp>
       <p:pic>
         <p:nvPicPr>
-          <p:cNvPr id="553" name="Bild" descr="Bild"/>
+          <p:cNvPr id="554" name="Bild" descr="Bild"/>
           <p:cNvPicPr>
             <a:picLocks noChangeAspect="1"/>
           </p:cNvPicPr>
@@ -18179,7 +18323,7 @@
         <p:spPr>
           <a:xfrm>
             <a:off x="6103278" y="2468079"/>
-            <a:ext cx="6744418" cy="4817442"/>
+            <a:ext cx="6744417" cy="4817442"/>
           </a:xfrm>
           <a:prstGeom prst="rect">
             <a:avLst/>
@@ -18217,7 +18361,7 @@
       </p:grpSpPr>
       <p:sp>
         <p:nvSpPr>
-          <p:cNvPr id="555" name="Foliennummer"/>
+          <p:cNvPr id="556" name="Foliennummer"/>
           <p:cNvSpPr txBox="1"/>
           <p:nvPr>
             <p:ph type="sldNum" sz="quarter" idx="2"/>
@@ -18248,7 +18392,7 @@
       </p:sp>
       <p:sp>
         <p:nvSpPr>
-          <p:cNvPr id="556" name="Abschluss"/>
+          <p:cNvPr id="557" name="Abschluss"/>
           <p:cNvSpPr txBox="1"/>
           <p:nvPr>
             <p:ph type="title"/>
@@ -18298,7 +18442,7 @@
       </p:grpSpPr>
       <p:sp>
         <p:nvSpPr>
-          <p:cNvPr id="558" name="Foliennummer"/>
+          <p:cNvPr id="559" name="Foliennummer"/>
           <p:cNvSpPr txBox="1"/>
           <p:nvPr>
             <p:ph type="sldNum" sz="quarter" idx="2"/>
@@ -18329,7 +18473,7 @@
       </p:sp>
       <p:sp>
         <p:nvSpPr>
-          <p:cNvPr id="559" name="Hinweise"/>
+          <p:cNvPr id="560" name="Hinweise"/>
           <p:cNvSpPr txBox="1"/>
           <p:nvPr>
             <p:ph type="body" sz="quarter" idx="1"/>
@@ -18357,7 +18501,7 @@
       </p:sp>
       <p:sp>
         <p:nvSpPr>
-          <p:cNvPr id="560" name="Dieses Dokument steht unter der Lizenz CC-BY 3.0.…"/>
+          <p:cNvPr id="561" name="Dieses Dokument steht unter der Lizenz CC-BY 3.0.…"/>
           <p:cNvSpPr txBox="1"/>
           <p:nvPr>
             <p:ph type="body" idx="21"/>
